--- a/MainProject/PPT/MVC5 - Testing.pptx
+++ b/MainProject/PPT/MVC5 - Testing.pptx
@@ -5,7 +5,7 @@
     <p:sldMasterId id="2147483684" r:id="rId1"/>
   </p:sldMasterIdLst>
   <p:notesMasterIdLst>
-    <p:notesMasterId r:id="rId21"/>
+    <p:notesMasterId r:id="rId22"/>
   </p:notesMasterIdLst>
   <p:sldIdLst>
     <p:sldId id="256" r:id="rId2"/>
@@ -21,12 +21,13 @@
     <p:sldId id="269" r:id="rId12"/>
     <p:sldId id="265" r:id="rId13"/>
     <p:sldId id="266" r:id="rId14"/>
-    <p:sldId id="267" r:id="rId15"/>
-    <p:sldId id="270" r:id="rId16"/>
-    <p:sldId id="271" r:id="rId17"/>
-    <p:sldId id="273" r:id="rId18"/>
-    <p:sldId id="275" r:id="rId19"/>
-    <p:sldId id="276" r:id="rId20"/>
+    <p:sldId id="278" r:id="rId15"/>
+    <p:sldId id="267" r:id="rId16"/>
+    <p:sldId id="270" r:id="rId17"/>
+    <p:sldId id="271" r:id="rId18"/>
+    <p:sldId id="273" r:id="rId19"/>
+    <p:sldId id="275" r:id="rId20"/>
+    <p:sldId id="276" r:id="rId21"/>
   </p:sldIdLst>
   <p:sldSz cx="12192000" cy="6858000"/>
   <p:notesSz cx="6858000" cy="9144000"/>
@@ -5357,11 +5358,19 @@
           <a:lstStyle/>
           <a:p>
             <a:r>
-              <a:rPr lang="en-US" altLang="zh-TW" sz="2800" dirty="0" smtClean="0"/>
+              <a:rPr lang="en-US" altLang="zh-TW" sz="2800" b="1" dirty="0" smtClean="0">
+                <a:solidFill>
+                  <a:srgbClr val="92D050"/>
+                </a:solidFill>
+              </a:rPr>
               <a:t>Selenium </a:t>
             </a:r>
             <a:r>
-              <a:rPr lang="en-US" altLang="zh-TW" sz="2800" dirty="0"/>
+              <a:rPr lang="en-US" altLang="zh-TW" sz="2800" b="1" dirty="0">
+                <a:solidFill>
+                  <a:srgbClr val="92D050"/>
+                </a:solidFill>
+              </a:rPr>
               <a:t>IDE</a:t>
             </a:r>
             <a:r>
@@ -5379,91 +5388,117 @@
           </a:p>
           <a:p>
             <a:r>
+              <a:rPr lang="en-US" altLang="zh-TW" sz="2800" b="1" dirty="0" smtClean="0">
+                <a:solidFill>
+                  <a:srgbClr val="92D050"/>
+                </a:solidFill>
+              </a:rPr>
+              <a:t>Selenium </a:t>
+            </a:r>
+            <a:r>
+              <a:rPr lang="en-US" altLang="zh-TW" sz="2800" b="1" dirty="0">
+                <a:solidFill>
+                  <a:srgbClr val="92D050"/>
+                </a:solidFill>
+              </a:rPr>
+              <a:t>Remote </a:t>
+            </a:r>
+            <a:r>
+              <a:rPr lang="en-US" altLang="zh-TW" sz="2800" b="1" dirty="0" smtClean="0">
+                <a:solidFill>
+                  <a:srgbClr val="92D050"/>
+                </a:solidFill>
+              </a:rPr>
+              <a:t>Control</a:t>
+            </a:r>
+            <a:r>
+              <a:rPr lang="zh-TW" altLang="en-US" sz="2800" dirty="0" smtClean="0"/>
+              <a:t>可用來控制終端</a:t>
+            </a:r>
+            <a:r>
+              <a:rPr lang="zh-TW" altLang="en-US" sz="2800" dirty="0"/>
+              <a:t>或</a:t>
+            </a:r>
+            <a:r>
+              <a:rPr lang="zh-TW" altLang="en-US" sz="2800" dirty="0" smtClean="0"/>
+              <a:t>遠端的</a:t>
+            </a:r>
+            <a:r>
+              <a:rPr lang="zh-TW" altLang="en-US" sz="2800" dirty="0"/>
+              <a:t>瀏覽器控制</a:t>
+            </a:r>
+            <a:r>
+              <a:rPr lang="zh-TW" altLang="en-US" sz="2800" dirty="0" smtClean="0"/>
+              <a:t>，幾乎支援任何與原</a:t>
+            </a:r>
+            <a:r>
+              <a:rPr lang="zh-TW" altLang="en-US" sz="2800" dirty="0"/>
+              <a:t>。</a:t>
+            </a:r>
+            <a:endParaRPr lang="zh-TW" altLang="en-US" sz="2800" dirty="0"/>
+          </a:p>
+          <a:p>
+            <a:r>
+              <a:rPr lang="en-US" altLang="zh-TW" sz="2800" b="1" dirty="0">
+                <a:solidFill>
+                  <a:srgbClr val="92D050"/>
+                </a:solidFill>
+              </a:rPr>
+              <a:t>Selenium </a:t>
+            </a:r>
+            <a:r>
+              <a:rPr lang="en-US" altLang="zh-TW" sz="2800" b="1" dirty="0" err="1">
+                <a:solidFill>
+                  <a:srgbClr val="92D050"/>
+                </a:solidFill>
+              </a:rPr>
+              <a:t>WebDriver</a:t>
+            </a:r>
+            <a:r>
+              <a:rPr lang="zh-TW" altLang="en-US" sz="2800" dirty="0" smtClean="0"/>
+              <a:t>同樣幾乎支援各種程式語言，並克服了</a:t>
+            </a:r>
+            <a:r>
               <a:rPr lang="en-US" altLang="zh-TW" sz="2800" dirty="0" smtClean="0"/>
-              <a:t>Selenium </a:t>
+              <a:t>RC</a:t>
+            </a:r>
+            <a:r>
+              <a:rPr lang="zh-TW" altLang="en-US" sz="2800" dirty="0"/>
+              <a:t>的單主機同源</a:t>
+            </a:r>
+            <a:r>
+              <a:rPr lang="zh-TW" altLang="en-US" sz="2800" dirty="0" smtClean="0"/>
+              <a:t>策略</a:t>
+            </a:r>
+            <a:r>
+              <a:rPr lang="en-US" altLang="zh-TW" sz="2800" dirty="0" smtClean="0"/>
+              <a:t>(</a:t>
             </a:r>
             <a:r>
               <a:rPr lang="en-US" altLang="zh-TW" sz="2800" dirty="0"/>
-              <a:t>Remote Control</a:t>
+              <a:t>Same-origin </a:t>
+            </a:r>
+            <a:r>
+              <a:rPr lang="en-US" altLang="zh-TW" sz="2800" dirty="0" smtClean="0"/>
+              <a:t>policy)</a:t>
+            </a:r>
+            <a:r>
+              <a:rPr lang="zh-TW" altLang="en-US" sz="2800" dirty="0" smtClean="0"/>
+              <a:t> ，也就是它可以在不同的</a:t>
+            </a:r>
+            <a:r>
+              <a:rPr lang="en-US" altLang="zh-TW" sz="2800" dirty="0" smtClean="0"/>
+              <a:t>domain</a:t>
+            </a:r>
+            <a:r>
+              <a:rPr lang="zh-TW" altLang="en-US" sz="2800" dirty="0" smtClean="0"/>
+              <a:t>中作測</a:t>
             </a:r>
             <a:r>
               <a:rPr lang="zh-TW" altLang="en-US" sz="2800" dirty="0"/>
-              <a:t>支持很多瀏覽器，包括最常用的</a:t>
-            </a:r>
-            <a:r>
-              <a:rPr lang="zh-TW" altLang="en-US" sz="2800" dirty="0" smtClean="0"/>
-              <a:t>：</a:t>
-            </a:r>
-            <a:r>
-              <a:rPr lang="en-US" altLang="zh-TW" sz="2800" dirty="0" smtClean="0"/>
-              <a:t>Firefox</a:t>
-            </a:r>
-            <a:r>
-              <a:rPr lang="zh-TW" altLang="en-US" sz="2800" dirty="0" smtClean="0"/>
-              <a:t>，</a:t>
-            </a:r>
-            <a:r>
-              <a:rPr lang="en-US" altLang="zh-TW" sz="2800" dirty="0" smtClean="0"/>
-              <a:t>IE</a:t>
-            </a:r>
-            <a:r>
-              <a:rPr lang="zh-TW" altLang="en-US" sz="2800" dirty="0" smtClean="0"/>
-              <a:t>，</a:t>
-            </a:r>
-            <a:r>
-              <a:rPr lang="en-US" altLang="zh-TW" sz="2800" dirty="0"/>
-              <a:t>safari</a:t>
-            </a:r>
-            <a:r>
-              <a:rPr lang="zh-TW" altLang="en-US" sz="2800" dirty="0"/>
-              <a:t>等</a:t>
-            </a:r>
-            <a:r>
-              <a:rPr lang="en-US" altLang="zh-TW" sz="2800" dirty="0"/>
-              <a:t>N</a:t>
-            </a:r>
-            <a:r>
-              <a:rPr lang="zh-TW" altLang="en-US" sz="2800" dirty="0"/>
-              <a:t>款瀏覽器。</a:t>
-            </a:r>
-          </a:p>
-          <a:p>
-            <a:r>
-              <a:rPr lang="en-US" altLang="zh-TW" sz="2800" dirty="0" smtClean="0"/>
-              <a:t>Selenium </a:t>
-            </a:r>
-            <a:r>
-              <a:rPr lang="en-US" altLang="zh-TW" sz="2800" dirty="0"/>
-              <a:t>Core</a:t>
-            </a:r>
-            <a:r>
-              <a:rPr lang="zh-TW" altLang="en-US" sz="2800" dirty="0"/>
-              <a:t>支持的瀏覽器是最廣的，這點和它的實現有關。作為</a:t>
-            </a:r>
-            <a:r>
-              <a:rPr lang="en-US" altLang="zh-TW" sz="2800" dirty="0"/>
-              <a:t>IDE</a:t>
-            </a:r>
-            <a:r>
-              <a:rPr lang="zh-TW" altLang="en-US" sz="2800" dirty="0"/>
-              <a:t>和</a:t>
-            </a:r>
-            <a:r>
-              <a:rPr lang="en-US" altLang="zh-TW" sz="2800" dirty="0"/>
-              <a:t>RC</a:t>
-            </a:r>
-            <a:r>
-              <a:rPr lang="zh-TW" altLang="en-US" sz="2800" dirty="0"/>
-              <a:t>的引擎，</a:t>
-            </a:r>
-            <a:r>
-              <a:rPr lang="en-US" altLang="zh-TW" sz="2800" dirty="0"/>
-              <a:t>Selenium Core</a:t>
-            </a:r>
-            <a:r>
-              <a:rPr lang="zh-TW" altLang="en-US" sz="2800" dirty="0"/>
-              <a:t>幾乎可以在任何瀏覽器中工作。</a:t>
-            </a:r>
+              <a:t>試</a:t>
+            </a:r>
+            <a:endParaRPr lang="zh-TW" altLang="en-US" sz="2800" dirty="0"/>
           </a:p>
         </p:txBody>
       </p:sp>
@@ -5520,16 +5555,27 @@
           <a:lstStyle/>
           <a:p>
             <a:r>
-              <a:rPr lang="en-US" altLang="zh-TW" dirty="0"/>
-              <a:t>Web</a:t>
-            </a:r>
-            <a:r>
-              <a:rPr lang="zh-TW" altLang="en-US" dirty="0"/>
-              <a:t>自動測試</a:t>
-            </a:r>
-            <a:r>
-              <a:rPr lang="en-US" altLang="zh-TW" dirty="0"/>
-              <a:t>(Selenium)</a:t>
+              <a:rPr lang="en-US" altLang="zh-TW" dirty="0" smtClean="0"/>
+              <a:t>Remote Control </a:t>
+            </a:r>
+            <a:r>
+              <a:rPr lang="en-US" altLang="zh-TW" sz="3200" dirty="0" smtClean="0">
+                <a:solidFill>
+                  <a:schemeClr val="tx1">
+                    <a:lumMod val="95000"/>
+                    <a:lumOff val="5000"/>
+                  </a:schemeClr>
+                </a:solidFill>
+              </a:rPr>
+              <a:t>Vs.</a:t>
+            </a:r>
+            <a:r>
+              <a:rPr lang="zh-TW" altLang="en-US" dirty="0" smtClean="0"/>
+              <a:t> </a:t>
+            </a:r>
+            <a:r>
+              <a:rPr lang="en-US" altLang="zh-TW" dirty="0" err="1" smtClean="0"/>
+              <a:t>WebDriver</a:t>
             </a:r>
             <a:endParaRPr lang="zh-TW" altLang="en-US" dirty="0"/>
           </a:p>
@@ -5545,96 +5591,515 @@
             <p:ph idx="1"/>
           </p:nvPr>
         </p:nvSpPr>
-        <p:spPr>
-          <a:xfrm>
-            <a:off x="2185203" y="2699200"/>
-            <a:ext cx="7691164" cy="749134"/>
-          </a:xfrm>
-        </p:spPr>
+        <p:spPr/>
         <p:txBody>
           <a:bodyPr/>
           <a:lstStyle/>
           <a:p>
-            <a:pPr marL="0" indent="0">
-              <a:buNone/>
-            </a:pPr>
-            <a:r>
-              <a:rPr lang="en-US" altLang="zh-TW" dirty="0" smtClean="0">
-                <a:solidFill>
-                  <a:srgbClr val="00B0F0"/>
-                </a:solidFill>
-              </a:rPr>
-              <a:t>Selenium IDE </a:t>
-            </a:r>
-            <a:r>
-              <a:rPr lang="en-US" altLang="zh-TW" dirty="0" smtClean="0">
-                <a:solidFill>
-                  <a:schemeClr val="bg2">
-                    <a:lumMod val="50000"/>
-                  </a:schemeClr>
-                </a:solidFill>
-              </a:rPr>
-              <a:t> and </a:t>
-            </a:r>
-            <a:r>
-              <a:rPr lang="en-US" altLang="zh-TW" dirty="0" smtClean="0">
-                <a:solidFill>
-                  <a:srgbClr val="00B0F0"/>
-                </a:solidFill>
-              </a:rPr>
-              <a:t>Selenium </a:t>
-            </a:r>
-            <a:r>
-              <a:rPr lang="en-US" altLang="zh-TW" dirty="0" err="1" smtClean="0">
-                <a:solidFill>
-                  <a:srgbClr val="00B0F0"/>
-                </a:solidFill>
-              </a:rPr>
-              <a:t>WebDriver</a:t>
-            </a:r>
-            <a:endParaRPr lang="zh-TW" altLang="en-US" dirty="0">
-              <a:solidFill>
-                <a:srgbClr val="00B0F0"/>
-              </a:solidFill>
+            <a:r>
+              <a:rPr lang="zh-TW" altLang="en-US" sz="2400" dirty="0" smtClean="0">
+                <a:latin typeface="Calibri" panose="020F0502020204030204" pitchFamily="34" charset="0"/>
+                <a:ea typeface="+mj-ea"/>
+              </a:rPr>
+              <a:t>共同優點</a:t>
+            </a:r>
+            <a:endParaRPr lang="en-US" altLang="zh-TW" sz="2400" dirty="0" smtClean="0">
+              <a:latin typeface="Calibri" panose="020F0502020204030204" pitchFamily="34" charset="0"/>
+              <a:ea typeface="+mj-ea"/>
             </a:endParaRPr>
           </a:p>
-        </p:txBody>
-      </p:sp>
-      <p:sp>
-        <p:nvSpPr>
-          <p:cNvPr id="6" name="文字方塊 5"/>
-          <p:cNvSpPr txBox="1"/>
-          <p:nvPr/>
-        </p:nvSpPr>
-        <p:spPr>
-          <a:xfrm>
-            <a:off x="5594774" y="3448334"/>
-            <a:ext cx="4281593" cy="584775"/>
-          </a:xfrm>
-          <a:prstGeom prst="rect">
-            <a:avLst/>
-          </a:prstGeom>
-          <a:noFill/>
-        </p:spPr>
-        <p:txBody>
-          <a:bodyPr wrap="square" rtlCol="0">
-            <a:spAutoFit/>
-          </a:bodyPr>
-          <a:lstStyle/>
-          <a:p>
-            <a:pPr algn="ctr"/>
-            <a:r>
-              <a:rPr lang="en-US" altLang="zh-TW" sz="3200" dirty="0" smtClean="0"/>
-              <a:t>Example Selenium demo</a:t>
-            </a:r>
-            <a:endParaRPr lang="zh-TW" altLang="en-US" sz="3200" dirty="0"/>
+          <a:p>
+            <a:pPr lvl="1"/>
+            <a:r>
+              <a:rPr lang="zh-TW" altLang="en-US" sz="2400" dirty="0" smtClean="0">
+                <a:latin typeface="Calibri" panose="020F0502020204030204" pitchFamily="34" charset="0"/>
+                <a:ea typeface="+mj-ea"/>
+              </a:rPr>
+              <a:t>允許使用多樣程式語言設計測試流程</a:t>
+            </a:r>
+            <a:r>
+              <a:rPr lang="zh-TW" altLang="en-US" sz="2400" dirty="0">
+                <a:latin typeface="新細明體" panose="02020500000000000000" pitchFamily="18" charset="-120"/>
+                <a:ea typeface="新細明體" panose="02020500000000000000" pitchFamily="18" charset="-120"/>
+              </a:rPr>
+              <a:t>。</a:t>
+            </a:r>
+            <a:endParaRPr lang="en-US" altLang="zh-TW" sz="2400" dirty="0" smtClean="0">
+              <a:latin typeface="Calibri" panose="020F0502020204030204" pitchFamily="34" charset="0"/>
+              <a:ea typeface="+mj-ea"/>
+            </a:endParaRPr>
+          </a:p>
+          <a:p>
+            <a:pPr lvl="1"/>
+            <a:r>
+              <a:rPr lang="zh-TW" altLang="en-US" sz="2400" dirty="0" smtClean="0">
+                <a:latin typeface="Calibri" panose="020F0502020204030204" pitchFamily="34" charset="0"/>
+                <a:ea typeface="+mj-ea"/>
+              </a:rPr>
+              <a:t>允許使用於多樣瀏覽器</a:t>
+            </a:r>
+            <a:r>
+              <a:rPr lang="zh-TW" altLang="en-US" sz="2400" dirty="0">
+                <a:latin typeface="新細明體" panose="02020500000000000000" pitchFamily="18" charset="-120"/>
+                <a:ea typeface="新細明體" panose="02020500000000000000" pitchFamily="18" charset="-120"/>
+              </a:rPr>
+              <a:t>。</a:t>
+            </a:r>
+            <a:endParaRPr lang="en-US" altLang="zh-TW" sz="2400" dirty="0" smtClean="0">
+              <a:latin typeface="Calibri" panose="020F0502020204030204" pitchFamily="34" charset="0"/>
+              <a:ea typeface="+mj-ea"/>
+            </a:endParaRPr>
+          </a:p>
+          <a:p>
+            <a:r>
+              <a:rPr lang="zh-TW" altLang="en-US" sz="2400" dirty="0" smtClean="0">
+                <a:latin typeface="Calibri" panose="020F0502020204030204" pitchFamily="34" charset="0"/>
+                <a:ea typeface="+mj-ea"/>
+              </a:rPr>
+              <a:t>兩者差異</a:t>
+            </a:r>
+            <a:endParaRPr lang="en-US" altLang="zh-TW" sz="2400" dirty="0" smtClean="0">
+              <a:latin typeface="Calibri" panose="020F0502020204030204" pitchFamily="34" charset="0"/>
+              <a:ea typeface="+mj-ea"/>
+            </a:endParaRPr>
+          </a:p>
+          <a:p>
+            <a:pPr lvl="1"/>
+            <a:r>
+              <a:rPr lang="en-US" altLang="zh-TW" sz="2400" dirty="0" smtClean="0">
+                <a:latin typeface="Calibri" panose="020F0502020204030204" pitchFamily="34" charset="0"/>
+                <a:ea typeface="+mj-ea"/>
+              </a:rPr>
+              <a:t>WD</a:t>
+            </a:r>
+            <a:r>
+              <a:rPr lang="zh-TW" altLang="en-US" sz="2400" dirty="0" smtClean="0">
+                <a:latin typeface="Calibri" panose="020F0502020204030204" pitchFamily="34" charset="0"/>
+                <a:ea typeface="+mj-ea"/>
+              </a:rPr>
+              <a:t>架構比</a:t>
+            </a:r>
+            <a:r>
+              <a:rPr lang="en-US" altLang="zh-TW" sz="2400" dirty="0" smtClean="0">
+                <a:latin typeface="Calibri" panose="020F0502020204030204" pitchFamily="34" charset="0"/>
+                <a:ea typeface="+mj-ea"/>
+              </a:rPr>
+              <a:t>RC</a:t>
+            </a:r>
+            <a:r>
+              <a:rPr lang="zh-TW" altLang="en-US" sz="2400" dirty="0" smtClean="0">
+                <a:latin typeface="Calibri" panose="020F0502020204030204" pitchFamily="34" charset="0"/>
+                <a:ea typeface="+mj-ea"/>
+              </a:rPr>
+              <a:t>簡單 </a:t>
+            </a:r>
+            <a:r>
+              <a:rPr lang="en-US" altLang="zh-TW" sz="2400" dirty="0" smtClean="0">
+                <a:latin typeface="Calibri" panose="020F0502020204030204" pitchFamily="34" charset="0"/>
+                <a:ea typeface="+mj-ea"/>
+              </a:rPr>
+              <a:t>–</a:t>
+            </a:r>
+            <a:r>
+              <a:rPr lang="zh-TW" altLang="en-US" sz="2400" dirty="0" smtClean="0">
+                <a:latin typeface="Calibri" panose="020F0502020204030204" pitchFamily="34" charset="0"/>
+                <a:ea typeface="+mj-ea"/>
+              </a:rPr>
+              <a:t> </a:t>
+            </a:r>
+            <a:r>
+              <a:rPr lang="en-US" altLang="zh-TW" sz="2400" dirty="0" smtClean="0">
+                <a:latin typeface="Calibri" panose="020F0502020204030204" pitchFamily="34" charset="0"/>
+                <a:ea typeface="+mj-ea"/>
+              </a:rPr>
+              <a:t>WD</a:t>
+            </a:r>
+            <a:r>
+              <a:rPr lang="zh-TW" altLang="en-US" sz="2400" dirty="0" smtClean="0">
+                <a:latin typeface="Calibri" panose="020F0502020204030204" pitchFamily="34" charset="0"/>
+                <a:ea typeface="+mj-ea"/>
+              </a:rPr>
+              <a:t>透過</a:t>
+            </a:r>
+            <a:r>
+              <a:rPr lang="en-US" altLang="zh-TW" sz="2400" dirty="0" smtClean="0">
+                <a:latin typeface="Calibri" panose="020F0502020204030204" pitchFamily="34" charset="0"/>
+                <a:ea typeface="+mj-ea"/>
+              </a:rPr>
+              <a:t>OS</a:t>
+            </a:r>
+            <a:r>
+              <a:rPr lang="zh-TW" altLang="en-US" sz="2400" dirty="0" smtClean="0">
+                <a:latin typeface="Calibri" panose="020F0502020204030204" pitchFamily="34" charset="0"/>
+                <a:ea typeface="+mj-ea"/>
+              </a:rPr>
+              <a:t>層控制瀏覽器</a:t>
+            </a:r>
+            <a:r>
+              <a:rPr lang="zh-TW" altLang="en-US" sz="2400" dirty="0" smtClean="0">
+                <a:latin typeface="新細明體" panose="02020500000000000000" pitchFamily="18" charset="-120"/>
+                <a:ea typeface="新細明體" panose="02020500000000000000" pitchFamily="18" charset="-120"/>
+              </a:rPr>
+              <a:t>。</a:t>
+            </a:r>
+            <a:endParaRPr lang="en-US" altLang="zh-TW" sz="2400" dirty="0" smtClean="0">
+              <a:latin typeface="Calibri" panose="020F0502020204030204" pitchFamily="34" charset="0"/>
+              <a:ea typeface="+mj-ea"/>
+            </a:endParaRPr>
+          </a:p>
+          <a:p>
+            <a:pPr lvl="1"/>
+            <a:r>
+              <a:rPr lang="en-US" altLang="zh-TW" sz="2400" dirty="0" smtClean="0">
+                <a:latin typeface="Calibri" panose="020F0502020204030204" pitchFamily="34" charset="0"/>
+                <a:ea typeface="+mj-ea"/>
+              </a:rPr>
+              <a:t>WD</a:t>
+            </a:r>
+            <a:r>
+              <a:rPr lang="zh-TW" altLang="en-US" sz="2400" dirty="0" smtClean="0">
+                <a:latin typeface="Calibri" panose="020F0502020204030204" pitchFamily="34" charset="0"/>
+                <a:ea typeface="+mj-ea"/>
+              </a:rPr>
+              <a:t>速度較</a:t>
+            </a:r>
+            <a:r>
+              <a:rPr lang="en-US" altLang="zh-TW" sz="2400" dirty="0" smtClean="0">
+                <a:latin typeface="Calibri" panose="020F0502020204030204" pitchFamily="34" charset="0"/>
+                <a:ea typeface="+mj-ea"/>
+              </a:rPr>
+              <a:t>RC</a:t>
+            </a:r>
+            <a:r>
+              <a:rPr lang="zh-TW" altLang="en-US" sz="2400" dirty="0" smtClean="0">
+                <a:latin typeface="Calibri" panose="020F0502020204030204" pitchFamily="34" charset="0"/>
+                <a:ea typeface="+mj-ea"/>
+              </a:rPr>
+              <a:t>快 </a:t>
+            </a:r>
+            <a:r>
+              <a:rPr lang="en-US" altLang="zh-TW" sz="2400" dirty="0" smtClean="0">
+                <a:latin typeface="Calibri" panose="020F0502020204030204" pitchFamily="34" charset="0"/>
+                <a:ea typeface="+mj-ea"/>
+              </a:rPr>
+              <a:t>–</a:t>
+            </a:r>
+            <a:r>
+              <a:rPr lang="zh-TW" altLang="en-US" sz="2400" dirty="0" smtClean="0">
+                <a:latin typeface="Calibri" panose="020F0502020204030204" pitchFamily="34" charset="0"/>
+                <a:ea typeface="+mj-ea"/>
+              </a:rPr>
+              <a:t> </a:t>
+            </a:r>
+            <a:r>
+              <a:rPr lang="en-US" altLang="zh-TW" sz="2400" dirty="0" smtClean="0">
+                <a:latin typeface="Calibri" panose="020F0502020204030204" pitchFamily="34" charset="0"/>
+                <a:ea typeface="+mj-ea"/>
+              </a:rPr>
+              <a:t>WD</a:t>
+            </a:r>
+            <a:r>
+              <a:rPr lang="zh-TW" altLang="en-US" sz="2400" dirty="0" smtClean="0">
+                <a:latin typeface="Calibri" panose="020F0502020204030204" pitchFamily="34" charset="0"/>
+                <a:ea typeface="+mj-ea"/>
+              </a:rPr>
+              <a:t>直接使用瀏覽器引擎驅動，</a:t>
+            </a:r>
+            <a:r>
+              <a:rPr lang="en-US" altLang="zh-TW" sz="2400" dirty="0" smtClean="0">
+                <a:latin typeface="Calibri" panose="020F0502020204030204" pitchFamily="34" charset="0"/>
+                <a:ea typeface="+mj-ea"/>
+              </a:rPr>
+              <a:t>RC</a:t>
+            </a:r>
+            <a:r>
+              <a:rPr lang="zh-TW" altLang="en-US" sz="2400" dirty="0" smtClean="0">
+                <a:latin typeface="Calibri" panose="020F0502020204030204" pitchFamily="34" charset="0"/>
+                <a:ea typeface="+mj-ea"/>
+              </a:rPr>
+              <a:t>則是透過</a:t>
+            </a:r>
+            <a:r>
+              <a:rPr lang="en-US" altLang="zh-TW" sz="2400" dirty="0" err="1" smtClean="0">
+                <a:latin typeface="Calibri" panose="020F0502020204030204" pitchFamily="34" charset="0"/>
+                <a:ea typeface="+mj-ea"/>
+              </a:rPr>
+              <a:t>javaScript</a:t>
+            </a:r>
+            <a:r>
+              <a:rPr lang="zh-TW" altLang="en-US" sz="2400" dirty="0" smtClean="0">
+                <a:latin typeface="Calibri" panose="020F0502020204030204" pitchFamily="34" charset="0"/>
+                <a:ea typeface="+mj-ea"/>
+              </a:rPr>
+              <a:t>呼叫</a:t>
+            </a:r>
+            <a:r>
+              <a:rPr lang="en-US" altLang="zh-TW" sz="2400" dirty="0" smtClean="0">
+                <a:latin typeface="Calibri" panose="020F0502020204030204" pitchFamily="34" charset="0"/>
+                <a:ea typeface="+mj-ea"/>
+              </a:rPr>
+              <a:t>selenium</a:t>
+            </a:r>
+            <a:r>
+              <a:rPr lang="zh-TW" altLang="en-US" sz="2400" dirty="0" smtClean="0">
+                <a:latin typeface="Calibri" panose="020F0502020204030204" pitchFamily="34" charset="0"/>
+                <a:ea typeface="+mj-ea"/>
+              </a:rPr>
+              <a:t> </a:t>
+            </a:r>
+            <a:r>
+              <a:rPr lang="en-US" altLang="zh-TW" sz="2400" dirty="0" smtClean="0">
+                <a:latin typeface="Calibri" panose="020F0502020204030204" pitchFamily="34" charset="0"/>
+                <a:ea typeface="+mj-ea"/>
+              </a:rPr>
+              <a:t>core</a:t>
+            </a:r>
+            <a:r>
+              <a:rPr lang="zh-TW" altLang="en-US" sz="2400" dirty="0" smtClean="0">
+                <a:latin typeface="Calibri" panose="020F0502020204030204" pitchFamily="34" charset="0"/>
+                <a:ea typeface="+mj-ea"/>
+              </a:rPr>
+              <a:t>驅動</a:t>
+            </a:r>
+            <a:r>
+              <a:rPr lang="zh-TW" altLang="en-US" sz="2400" dirty="0">
+                <a:latin typeface="新細明體" panose="02020500000000000000" pitchFamily="18" charset="-120"/>
+                <a:ea typeface="新細明體" panose="02020500000000000000" pitchFamily="18" charset="-120"/>
+              </a:rPr>
+              <a:t>。</a:t>
+            </a:r>
+            <a:endParaRPr lang="en-US" altLang="zh-TW" sz="2400" dirty="0" smtClean="0">
+              <a:latin typeface="Calibri" panose="020F0502020204030204" pitchFamily="34" charset="0"/>
+              <a:ea typeface="+mj-ea"/>
+            </a:endParaRPr>
+          </a:p>
+          <a:p>
+            <a:pPr lvl="1"/>
+            <a:r>
+              <a:rPr lang="en-US" altLang="zh-TW" sz="2400" dirty="0" smtClean="0">
+                <a:latin typeface="Calibri" panose="020F0502020204030204" pitchFamily="34" charset="0"/>
+                <a:ea typeface="+mj-ea"/>
+              </a:rPr>
+              <a:t>WD</a:t>
+            </a:r>
+            <a:r>
+              <a:rPr lang="zh-TW" altLang="en-US" sz="2400" dirty="0" smtClean="0">
+                <a:latin typeface="Calibri" panose="020F0502020204030204" pitchFamily="34" charset="0"/>
+                <a:ea typeface="+mj-ea"/>
+              </a:rPr>
+              <a:t>互動較</a:t>
+            </a:r>
+            <a:r>
+              <a:rPr lang="en-US" altLang="zh-TW" sz="2400" dirty="0" smtClean="0">
+                <a:latin typeface="Calibri" panose="020F0502020204030204" pitchFamily="34" charset="0"/>
+                <a:ea typeface="+mj-ea"/>
+              </a:rPr>
+              <a:t>RC</a:t>
+            </a:r>
+            <a:r>
+              <a:rPr lang="zh-TW" altLang="en-US" sz="2400" dirty="0" smtClean="0">
+                <a:latin typeface="Calibri" panose="020F0502020204030204" pitchFamily="34" charset="0"/>
+                <a:ea typeface="+mj-ea"/>
+              </a:rPr>
+              <a:t>直接 </a:t>
+            </a:r>
+            <a:r>
+              <a:rPr lang="en-US" altLang="zh-TW" sz="2400" dirty="0" smtClean="0">
+                <a:latin typeface="Calibri" panose="020F0502020204030204" pitchFamily="34" charset="0"/>
+                <a:ea typeface="+mj-ea"/>
+              </a:rPr>
+              <a:t>–</a:t>
+            </a:r>
+            <a:r>
+              <a:rPr lang="zh-TW" altLang="en-US" sz="2400" dirty="0" smtClean="0">
+                <a:latin typeface="Calibri" panose="020F0502020204030204" pitchFamily="34" charset="0"/>
+                <a:ea typeface="+mj-ea"/>
+              </a:rPr>
+              <a:t> </a:t>
+            </a:r>
+            <a:r>
+              <a:rPr lang="en-US" altLang="zh-TW" sz="2400" dirty="0" smtClean="0">
+                <a:latin typeface="Calibri" panose="020F0502020204030204" pitchFamily="34" charset="0"/>
+                <a:ea typeface="+mj-ea"/>
+              </a:rPr>
+              <a:t>WD</a:t>
+            </a:r>
+            <a:r>
+              <a:rPr lang="zh-TW" altLang="en-US" sz="2400" dirty="0" smtClean="0">
+                <a:latin typeface="Calibri" panose="020F0502020204030204" pitchFamily="34" charset="0"/>
+                <a:ea typeface="+mj-ea"/>
+              </a:rPr>
+              <a:t>在控制上直接與使用者互動</a:t>
+            </a:r>
+            <a:r>
+              <a:rPr lang="zh-TW" altLang="en-US" sz="2400" dirty="0" smtClean="0">
+                <a:latin typeface="Calibri" panose="020F0502020204030204" pitchFamily="34" charset="0"/>
+              </a:rPr>
+              <a:t>，</a:t>
+            </a:r>
+            <a:r>
+              <a:rPr lang="en-US" altLang="zh-TW" sz="2400" dirty="0" smtClean="0">
+                <a:latin typeface="Calibri" panose="020F0502020204030204" pitchFamily="34" charset="0"/>
+              </a:rPr>
+              <a:t>RC</a:t>
+            </a:r>
+            <a:r>
+              <a:rPr lang="zh-TW" altLang="en-US" sz="2400" dirty="0" smtClean="0">
+                <a:latin typeface="Calibri" panose="020F0502020204030204" pitchFamily="34" charset="0"/>
+              </a:rPr>
+              <a:t>則是透過</a:t>
+            </a:r>
+            <a:r>
+              <a:rPr lang="en-US" altLang="zh-TW" sz="2400" dirty="0" smtClean="0">
+                <a:latin typeface="Calibri" panose="020F0502020204030204" pitchFamily="34" charset="0"/>
+              </a:rPr>
+              <a:t>Selenium</a:t>
+            </a:r>
+            <a:r>
+              <a:rPr lang="zh-TW" altLang="en-US" sz="2400" dirty="0" smtClean="0">
+                <a:latin typeface="Calibri" panose="020F0502020204030204" pitchFamily="34" charset="0"/>
+              </a:rPr>
+              <a:t> </a:t>
+            </a:r>
+            <a:r>
+              <a:rPr lang="en-US" altLang="zh-TW" sz="2400" dirty="0" smtClean="0">
+                <a:latin typeface="Calibri" panose="020F0502020204030204" pitchFamily="34" charset="0"/>
+              </a:rPr>
+              <a:t>server</a:t>
+            </a:r>
+            <a:r>
+              <a:rPr lang="zh-TW" altLang="en-US" sz="2400" dirty="0">
+                <a:latin typeface="新細明體" panose="02020500000000000000" pitchFamily="18" charset="-120"/>
+                <a:ea typeface="新細明體" panose="02020500000000000000" pitchFamily="18" charset="-120"/>
+              </a:rPr>
+              <a:t> 。</a:t>
+            </a:r>
+            <a:endParaRPr lang="en-US" altLang="zh-TW" sz="2400" dirty="0" smtClean="0">
+              <a:latin typeface="Calibri" panose="020F0502020204030204" pitchFamily="34" charset="0"/>
+            </a:endParaRPr>
+          </a:p>
+          <a:p>
+            <a:pPr lvl="1"/>
+            <a:r>
+              <a:rPr lang="en-US" altLang="zh-TW" sz="2400" dirty="0" smtClean="0">
+                <a:latin typeface="Calibri" panose="020F0502020204030204" pitchFamily="34" charset="0"/>
+                <a:ea typeface="+mj-ea"/>
+              </a:rPr>
+              <a:t>WD</a:t>
+            </a:r>
+            <a:r>
+              <a:rPr lang="zh-TW" altLang="en-US" sz="2400" dirty="0">
+                <a:latin typeface="Calibri" panose="020F0502020204030204" pitchFamily="34" charset="0"/>
+                <a:ea typeface="+mj-ea"/>
+              </a:rPr>
+              <a:t> </a:t>
+            </a:r>
+            <a:r>
+              <a:rPr lang="en-US" altLang="zh-TW" sz="2400" dirty="0" smtClean="0">
+                <a:latin typeface="Calibri" panose="020F0502020204030204" pitchFamily="34" charset="0"/>
+                <a:ea typeface="+mj-ea"/>
+              </a:rPr>
+              <a:t>API</a:t>
+            </a:r>
+            <a:r>
+              <a:rPr lang="zh-TW" altLang="en-US" sz="2400" dirty="0" smtClean="0">
+                <a:latin typeface="Calibri" panose="020F0502020204030204" pitchFamily="34" charset="0"/>
+                <a:ea typeface="+mj-ea"/>
+              </a:rPr>
+              <a:t>較</a:t>
+            </a:r>
+            <a:r>
+              <a:rPr lang="en-US" altLang="zh-TW" sz="2400" dirty="0" smtClean="0">
+                <a:latin typeface="Calibri" panose="020F0502020204030204" pitchFamily="34" charset="0"/>
+                <a:ea typeface="+mj-ea"/>
+              </a:rPr>
+              <a:t>RC</a:t>
+            </a:r>
+            <a:r>
+              <a:rPr lang="zh-TW" altLang="en-US" sz="2400" dirty="0" smtClean="0">
+                <a:latin typeface="Calibri" panose="020F0502020204030204" pitchFamily="34" charset="0"/>
+                <a:ea typeface="+mj-ea"/>
+              </a:rPr>
+              <a:t>簡單輕量</a:t>
+            </a:r>
+            <a:r>
+              <a:rPr lang="zh-TW" altLang="en-US" sz="2400" dirty="0">
+                <a:latin typeface="新細明體" panose="02020500000000000000" pitchFamily="18" charset="-120"/>
+                <a:ea typeface="新細明體" panose="02020500000000000000" pitchFamily="18" charset="-120"/>
+              </a:rPr>
+              <a:t>。</a:t>
+            </a:r>
+            <a:endParaRPr lang="en-US" altLang="zh-TW" sz="2400" dirty="0" smtClean="0">
+              <a:latin typeface="Calibri" panose="020F0502020204030204" pitchFamily="34" charset="0"/>
+              <a:ea typeface="+mj-ea"/>
+            </a:endParaRPr>
+          </a:p>
+          <a:p>
+            <a:pPr lvl="1"/>
+            <a:r>
+              <a:rPr lang="en-US" altLang="zh-TW" sz="2400" dirty="0" smtClean="0">
+                <a:latin typeface="Calibri" panose="020F0502020204030204" pitchFamily="34" charset="0"/>
+                <a:ea typeface="+mj-ea"/>
+              </a:rPr>
+              <a:t>WD </a:t>
+            </a:r>
+            <a:r>
+              <a:rPr lang="zh-TW" altLang="en-US" sz="2400" dirty="0" smtClean="0">
+                <a:latin typeface="Calibri" panose="020F0502020204030204" pitchFamily="34" charset="0"/>
+                <a:ea typeface="+mj-ea"/>
+              </a:rPr>
+              <a:t>可支援</a:t>
+            </a:r>
+            <a:r>
+              <a:rPr lang="en-US" altLang="zh-TW" sz="2400" dirty="0" err="1" smtClean="0">
+                <a:latin typeface="Calibri" panose="020F0502020204030204" pitchFamily="34" charset="0"/>
+                <a:ea typeface="+mj-ea"/>
+              </a:rPr>
+              <a:t>HtmlUnit</a:t>
+            </a:r>
+            <a:r>
+              <a:rPr lang="zh-TW" altLang="en-US" sz="2400" dirty="0" smtClean="0">
+                <a:latin typeface="Calibri" panose="020F0502020204030204" pitchFamily="34" charset="0"/>
+              </a:rPr>
+              <a:t> ，自動設定瀏覽器開啟並做一連串動作，</a:t>
+            </a:r>
+            <a:r>
+              <a:rPr lang="en-US" altLang="zh-TW" sz="2400" dirty="0" smtClean="0">
+                <a:latin typeface="Calibri" panose="020F0502020204030204" pitchFamily="34" charset="0"/>
+              </a:rPr>
+              <a:t>RC</a:t>
+            </a:r>
+            <a:r>
+              <a:rPr lang="zh-TW" altLang="en-US" sz="2400" dirty="0" smtClean="0">
+                <a:latin typeface="Calibri" panose="020F0502020204030204" pitchFamily="34" charset="0"/>
+              </a:rPr>
+              <a:t>則無法</a:t>
+            </a:r>
+            <a:r>
+              <a:rPr lang="zh-TW" altLang="en-US" sz="2400" dirty="0">
+                <a:latin typeface="新細明體" panose="02020500000000000000" pitchFamily="18" charset="-120"/>
+                <a:ea typeface="新細明體" panose="02020500000000000000" pitchFamily="18" charset="-120"/>
+              </a:rPr>
+              <a:t>。</a:t>
+            </a:r>
+            <a:endParaRPr lang="en-US" altLang="zh-TW" sz="2400" dirty="0" smtClean="0">
+              <a:latin typeface="Calibri" panose="020F0502020204030204" pitchFamily="34" charset="0"/>
+              <a:ea typeface="+mj-ea"/>
+            </a:endParaRPr>
+          </a:p>
+          <a:p>
+            <a:pPr lvl="1"/>
+            <a:endParaRPr lang="en-US" altLang="zh-TW" sz="2400" dirty="0" smtClean="0">
+              <a:latin typeface="Calibri" panose="020F0502020204030204" pitchFamily="34" charset="0"/>
+              <a:ea typeface="+mj-ea"/>
+            </a:endParaRPr>
           </a:p>
         </p:txBody>
       </p:sp>
     </p:spTree>
     <p:extLst>
       <p:ext uri="{BB962C8B-B14F-4D97-AF65-F5344CB8AC3E}">
-        <p14:creationId xmlns:p14="http://schemas.microsoft.com/office/powerpoint/2010/main" val="860991485"/>
+        <p14:creationId xmlns:p14="http://schemas.microsoft.com/office/powerpoint/2010/main" val="4170543898"/>
       </p:ext>
     </p:extLst>
   </p:cSld>
@@ -5684,8 +6149,27 @@
           <a:lstStyle/>
           <a:p>
             <a:r>
-              <a:rPr lang="en-US" altLang="zh-TW" b="0" dirty="0"/>
-              <a:t>Behavior-driven development(BDD) </a:t>
+              <a:rPr lang="en-US" altLang="zh-TW" dirty="0"/>
+              <a:t>Remote Control </a:t>
+            </a:r>
+            <a:r>
+              <a:rPr lang="en-US" altLang="zh-TW" sz="3200" dirty="0">
+                <a:solidFill>
+                  <a:schemeClr val="tx1">
+                    <a:lumMod val="95000"/>
+                    <a:lumOff val="5000"/>
+                  </a:schemeClr>
+                </a:solidFill>
+              </a:rPr>
+              <a:t>Vs.</a:t>
+            </a:r>
+            <a:r>
+              <a:rPr lang="zh-TW" altLang="en-US" dirty="0"/>
+              <a:t> </a:t>
+            </a:r>
+            <a:r>
+              <a:rPr lang="en-US" altLang="zh-TW" dirty="0" err="1"/>
+              <a:t>WebDriver</a:t>
             </a:r>
             <a:endParaRPr lang="zh-TW" altLang="en-US" dirty="0"/>
           </a:p>
@@ -5693,7 +6177,7 @@
       </p:sp>
       <p:sp>
         <p:nvSpPr>
-          <p:cNvPr id="3" name="內容版面配置區 2"/>
+          <p:cNvPr id="7" name="內容版面配置區 3"/>
           <p:cNvSpPr>
             <a:spLocks noGrp="1"/>
           </p:cNvSpPr>
@@ -5701,191 +6185,85 @@
             <p:ph idx="1"/>
           </p:nvPr>
         </p:nvSpPr>
-        <p:spPr/>
+        <p:spPr>
+          <a:xfrm>
+            <a:off x="624417" y="1557338"/>
+            <a:ext cx="10972800" cy="4525962"/>
+          </a:xfrm>
+        </p:spPr>
         <p:txBody>
           <a:bodyPr/>
           <a:lstStyle/>
           <a:p>
             <a:r>
-              <a:rPr lang="en-US" altLang="zh-TW" sz="2800" dirty="0"/>
-              <a:t>BDD </a:t>
-            </a:r>
-            <a:r>
-              <a:rPr lang="zh-TW" altLang="en-US" sz="2800" dirty="0"/>
-              <a:t>的全名為 </a:t>
-            </a:r>
-            <a:r>
-              <a:rPr lang="en-US" altLang="zh-TW" sz="2800" dirty="0"/>
-              <a:t>Behavior-driven development </a:t>
-            </a:r>
-            <a:r>
-              <a:rPr lang="zh-TW" altLang="en-US" sz="2800" dirty="0"/>
-              <a:t>，在 </a:t>
-            </a:r>
-            <a:r>
-              <a:rPr lang="en-US" altLang="zh-TW" sz="2800" dirty="0"/>
-              <a:t>2003 </a:t>
-            </a:r>
-            <a:r>
-              <a:rPr lang="zh-TW" altLang="en-US" sz="2800" dirty="0" smtClean="0"/>
-              <a:t>年</a:t>
-            </a:r>
-            <a:r>
-              <a:rPr lang="zh-TW" altLang="en-US" sz="2800" dirty="0"/>
-              <a:t>由 </a:t>
-            </a:r>
-            <a:r>
-              <a:rPr lang="en-US" altLang="zh-TW" sz="2800" dirty="0" smtClean="0"/>
-              <a:t>Dan </a:t>
-            </a:r>
-            <a:r>
-              <a:rPr lang="en-US" altLang="zh-TW" sz="2800" dirty="0"/>
-              <a:t>North </a:t>
-            </a:r>
-            <a:r>
-              <a:rPr lang="zh-TW" altLang="en-US" sz="2800" dirty="0"/>
-              <a:t>所命名，用來作為 </a:t>
-            </a:r>
-            <a:r>
-              <a:rPr lang="en-US" altLang="zh-TW" sz="2800" dirty="0"/>
-              <a:t>TDD </a:t>
-            </a:r>
-            <a:r>
-              <a:rPr lang="zh-TW" altLang="en-US" sz="2800" dirty="0"/>
-              <a:t>的輔助</a:t>
-            </a:r>
-            <a:r>
-              <a:rPr lang="zh-TW" altLang="en-US" sz="2800" dirty="0" smtClean="0"/>
-              <a:t>。</a:t>
-            </a:r>
-            <a:endParaRPr lang="en-US" altLang="zh-TW" sz="2800" dirty="0" smtClean="0"/>
-          </a:p>
-          <a:p>
-            <a:endParaRPr lang="en-US" altLang="zh-TW" sz="2800" dirty="0" smtClean="0"/>
-          </a:p>
-          <a:p>
-            <a:r>
-              <a:rPr lang="zh-TW" altLang="en-US" sz="2800" dirty="0"/>
-              <a:t>透過屬於該 </a:t>
-            </a:r>
-            <a:r>
-              <a:rPr lang="en-US" altLang="zh-TW" sz="2800" dirty="0"/>
-              <a:t>Domain </a:t>
-            </a:r>
-            <a:r>
-              <a:rPr lang="zh-TW" altLang="en-US" sz="2800" dirty="0"/>
-              <a:t>的表達方式，來描述系統的 </a:t>
-            </a:r>
-            <a:r>
-              <a:rPr lang="en-US" altLang="zh-TW" sz="2800" dirty="0"/>
-              <a:t>Feature </a:t>
-            </a:r>
-            <a:r>
-              <a:rPr lang="zh-TW" altLang="en-US" sz="2800" dirty="0"/>
-              <a:t>與使用者的 </a:t>
-            </a:r>
-            <a:r>
-              <a:rPr lang="en-US" altLang="zh-TW" sz="2800" dirty="0"/>
-              <a:t>Scenario </a:t>
-            </a:r>
-            <a:r>
-              <a:rPr lang="zh-TW" altLang="en-US" sz="2800" dirty="0"/>
-              <a:t>，並且依據這些 </a:t>
-            </a:r>
-            <a:r>
-              <a:rPr lang="en-US" altLang="zh-TW" sz="2800" dirty="0"/>
-              <a:t>Scenario </a:t>
-            </a:r>
-            <a:r>
-              <a:rPr lang="zh-TW" altLang="en-US" sz="2800" dirty="0"/>
-              <a:t>產生對應的 </a:t>
-            </a:r>
-            <a:r>
-              <a:rPr lang="en-US" altLang="zh-TW" sz="2800" dirty="0"/>
-              <a:t>code flow template </a:t>
-            </a:r>
-            <a:r>
-              <a:rPr lang="zh-TW" altLang="en-US" sz="2800" dirty="0"/>
-              <a:t>，接著可結合 </a:t>
-            </a:r>
-            <a:r>
-              <a:rPr lang="en-US" altLang="zh-TW" sz="2800" dirty="0"/>
-              <a:t>Unit Test </a:t>
-            </a:r>
-            <a:r>
-              <a:rPr lang="zh-TW" altLang="en-US" sz="2800" dirty="0"/>
-              <a:t>的 </a:t>
-            </a:r>
-            <a:r>
-              <a:rPr lang="en-US" altLang="zh-TW" sz="2800" dirty="0"/>
-              <a:t>3A </a:t>
-            </a:r>
-            <a:r>
-              <a:rPr lang="zh-TW" altLang="en-US" sz="2800" dirty="0"/>
-              <a:t>原則 </a:t>
-            </a:r>
-            <a:r>
-              <a:rPr lang="en-US" altLang="zh-TW" sz="2800" dirty="0"/>
-              <a:t>( Arrange, Act, Assert )</a:t>
-            </a:r>
-            <a:r>
-              <a:rPr lang="zh-TW" altLang="en-US" sz="2800" dirty="0"/>
-              <a:t>，來驗證系統功能是否有滿足這些 </a:t>
-            </a:r>
-            <a:r>
-              <a:rPr lang="en-US" altLang="zh-TW" sz="2800" dirty="0"/>
-              <a:t>Scenario </a:t>
-            </a:r>
-            <a:r>
-              <a:rPr lang="zh-TW" altLang="en-US" sz="2800" dirty="0" smtClean="0"/>
-              <a:t>。</a:t>
-            </a:r>
-            <a:endParaRPr lang="en-US" altLang="zh-TW" sz="2800" dirty="0" smtClean="0"/>
-          </a:p>
-          <a:p>
-            <a:endParaRPr lang="en-US" altLang="zh-TW" sz="2800" dirty="0"/>
-          </a:p>
-          <a:p>
-            <a:r>
-              <a:rPr lang="zh-TW" altLang="en-US" sz="2800" dirty="0" smtClean="0"/>
-              <a:t>在</a:t>
-            </a:r>
-            <a:r>
-              <a:rPr lang="en-US" altLang="zh-TW" sz="2800" dirty="0" smtClean="0"/>
-              <a:t>Visual</a:t>
-            </a:r>
-            <a:r>
-              <a:rPr lang="zh-TW" altLang="en-US" sz="2800" dirty="0" smtClean="0"/>
+              <a:rPr lang="en-US" altLang="zh-TW" dirty="0" err="1" smtClean="0"/>
+              <a:t>WebDriver</a:t>
+            </a:r>
+            <a:r>
+              <a:rPr lang="zh-TW" altLang="en-US" dirty="0" smtClean="0"/>
+              <a:t>限制</a:t>
+            </a:r>
+            <a:endParaRPr lang="en-US" altLang="zh-TW" dirty="0" smtClean="0"/>
+          </a:p>
+          <a:p>
+            <a:pPr lvl="1"/>
+            <a:r>
+              <a:rPr lang="zh-TW" altLang="en-US" dirty="0" smtClean="0"/>
+              <a:t>無法容易的被新推出瀏覽器採用</a:t>
+            </a:r>
+            <a:endParaRPr lang="en-US" altLang="zh-TW" dirty="0" smtClean="0"/>
+          </a:p>
+          <a:p>
+            <a:pPr lvl="1"/>
+            <a:r>
+              <a:rPr lang="en-US" altLang="zh-TW" dirty="0" smtClean="0"/>
+              <a:t>WD</a:t>
+            </a:r>
+            <a:r>
+              <a:rPr lang="zh-TW" altLang="en-US" dirty="0" smtClean="0"/>
+              <a:t>無法自動產出測試結果</a:t>
+            </a:r>
+            <a:endParaRPr lang="en-US" altLang="zh-TW" dirty="0"/>
+          </a:p>
+          <a:p>
+            <a:pPr marL="457200" lvl="1" indent="0">
+              <a:buNone/>
+            </a:pPr>
+            <a:endParaRPr lang="en-US" altLang="zh-TW" dirty="0" smtClean="0"/>
+          </a:p>
+          <a:p>
+            <a:r>
+              <a:rPr lang="zh-TW" altLang="en-US" dirty="0" smtClean="0"/>
+              <a:t>實作</a:t>
+            </a:r>
+            <a:r>
+              <a:rPr lang="en-US" altLang="zh-TW" dirty="0" smtClean="0"/>
+              <a:t>Selenium IDE </a:t>
+            </a:r>
+            <a:r>
+              <a:rPr lang="zh-TW" altLang="en-US" dirty="0" smtClean="0"/>
+              <a:t>與 </a:t>
+            </a:r>
+            <a:r>
+              <a:rPr lang="en-US" altLang="zh-TW" dirty="0"/>
+              <a:t>Selenium</a:t>
+            </a:r>
+            <a:r>
+              <a:rPr lang="zh-TW" altLang="en-US" dirty="0" smtClean="0"/>
               <a:t> </a:t>
             </a:r>
             <a:r>
-              <a:rPr lang="en-US" altLang="zh-TW" sz="2800" dirty="0" smtClean="0"/>
-              <a:t>Studio</a:t>
-            </a:r>
-            <a:r>
-              <a:rPr lang="zh-TW" altLang="en-US" sz="2800" dirty="0" smtClean="0"/>
-              <a:t>中可透過</a:t>
-            </a:r>
-            <a:r>
-              <a:rPr lang="en-US" altLang="zh-TW" sz="2800" dirty="0" err="1"/>
-              <a:t>NuGet</a:t>
-            </a:r>
-            <a:r>
-              <a:rPr lang="zh-TW" altLang="en-US" sz="2800" dirty="0"/>
-              <a:t>安裝</a:t>
-            </a:r>
-            <a:r>
-              <a:rPr lang="en-US" altLang="zh-TW" sz="2800" dirty="0" err="1" smtClean="0"/>
-              <a:t>Specflow</a:t>
-            </a:r>
-            <a:endParaRPr lang="en-US" altLang="zh-TW" sz="2800" dirty="0"/>
+              <a:rPr lang="en-US" altLang="zh-TW" dirty="0" err="1" smtClean="0"/>
+              <a:t>WebDriver</a:t>
+            </a:r>
+            <a:endParaRPr lang="en-US" altLang="zh-TW" dirty="0"/>
           </a:p>
         </p:txBody>
       </p:sp>
     </p:spTree>
     <p:extLst>
       <p:ext uri="{BB962C8B-B14F-4D97-AF65-F5344CB8AC3E}">
-        <p14:creationId xmlns:p14="http://schemas.microsoft.com/office/powerpoint/2010/main" val="2805485381"/>
+        <p14:creationId xmlns:p14="http://schemas.microsoft.com/office/powerpoint/2010/main" val="860991485"/>
       </p:ext>
     </p:extLst>
   </p:cSld>
@@ -5935,8 +6313,8 @@
           <a:lstStyle/>
           <a:p>
             <a:r>
-              <a:rPr lang="en-US" altLang="zh-TW" b="0" dirty="0" smtClean="0"/>
-              <a:t>Behavior-driven development(BDD)</a:t>
+              <a:rPr lang="en-US" altLang="zh-TW" b="0" dirty="0"/>
+              <a:t>Behavior-driven development(BDD) </a:t>
             </a:r>
             <a:endParaRPr lang="zh-TW" altLang="en-US" dirty="0"/>
           </a:p>
@@ -5958,99 +6336,185 @@
           <a:lstStyle/>
           <a:p>
             <a:r>
-              <a:rPr lang="en-US" altLang="zh-TW" dirty="0" smtClean="0"/>
-              <a:t>Why BDD?</a:t>
-            </a:r>
-          </a:p>
-          <a:p>
-            <a:pPr lvl="1"/>
-            <a:r>
-              <a:rPr lang="zh-TW" altLang="en-US" dirty="0"/>
-              <a:t>讓使用者、測試人員及開發人員可以用一樣的方式來描述與了解需求，並且降低將人話轉成程式碼的</a:t>
-            </a:r>
-            <a:r>
-              <a:rPr lang="zh-TW" altLang="en-US" dirty="0" smtClean="0"/>
-              <a:t>成本</a:t>
-            </a:r>
-            <a:endParaRPr lang="en-US" altLang="zh-TW" dirty="0" smtClean="0"/>
-          </a:p>
-          <a:p>
-            <a:pPr marL="457200" lvl="1" indent="0">
-              <a:buNone/>
-            </a:pPr>
-            <a:endParaRPr lang="en-US" altLang="zh-TW" dirty="0"/>
-          </a:p>
-          <a:p>
-            <a:r>
-              <a:rPr lang="en-US" altLang="zh-TW" dirty="0" smtClean="0"/>
-              <a:t>When BDD?</a:t>
-            </a:r>
-          </a:p>
-          <a:p>
-            <a:pPr lvl="1"/>
-            <a:r>
-              <a:rPr lang="zh-TW" altLang="en-US" dirty="0" smtClean="0"/>
-              <a:t>撰寫好驗收測試案例，建立好可行走的</a:t>
-            </a:r>
-            <a:r>
-              <a:rPr lang="en-US" altLang="zh-TW" dirty="0"/>
-              <a:t>[</a:t>
-            </a:r>
-            <a:r>
-              <a:rPr lang="zh-TW" altLang="en-US" dirty="0" smtClean="0"/>
-              <a:t>骨架</a:t>
-            </a:r>
-            <a:r>
-              <a:rPr lang="en-US" altLang="zh-TW" dirty="0"/>
-              <a:t>]</a:t>
-            </a:r>
-            <a:r>
-              <a:rPr lang="zh-TW" altLang="en-US" dirty="0" smtClean="0"/>
-              <a:t> ，開始準備著手開發實際的程式碼之前，使用</a:t>
-            </a:r>
-            <a:r>
-              <a:rPr lang="en-US" altLang="zh-TW" dirty="0" smtClean="0"/>
-              <a:t>BDD</a:t>
-            </a:r>
-            <a:r>
-              <a:rPr lang="zh-TW" altLang="en-US" dirty="0" smtClean="0"/>
-              <a:t>來描述</a:t>
-            </a:r>
-            <a:r>
-              <a:rPr lang="en-US" altLang="zh-TW" dirty="0"/>
-              <a:t>[</a:t>
-            </a:r>
-            <a:r>
-              <a:rPr lang="zh-TW" altLang="en-US" dirty="0" smtClean="0"/>
-              <a:t>驗收測試案例</a:t>
-            </a:r>
-            <a:r>
-              <a:rPr lang="en-US" altLang="zh-TW" dirty="0"/>
-              <a:t>]</a:t>
-            </a:r>
-            <a:r>
-              <a:rPr lang="zh-TW" altLang="en-US" dirty="0" smtClean="0"/>
-              <a:t>所對應的</a:t>
-            </a:r>
-            <a:r>
-              <a:rPr lang="en-US" altLang="zh-TW" dirty="0"/>
-              <a:t>[</a:t>
-            </a:r>
-            <a:r>
-              <a:rPr lang="zh-TW" altLang="en-US" dirty="0" smtClean="0"/>
-              <a:t>系統行為與腳本</a:t>
-            </a:r>
-            <a:r>
-              <a:rPr lang="en-US" altLang="zh-TW" dirty="0" smtClean="0"/>
-              <a:t>]</a:t>
-            </a:r>
+              <a:rPr lang="en-US" altLang="zh-TW" sz="2800" dirty="0"/>
+              <a:t>BDD </a:t>
+            </a:r>
+            <a:r>
+              <a:rPr lang="zh-TW" altLang="en-US" sz="2800" dirty="0"/>
+              <a:t>的全名為 </a:t>
+            </a:r>
+            <a:r>
+              <a:rPr lang="en-US" altLang="zh-TW" sz="2800" dirty="0"/>
+              <a:t>Behavior-driven development </a:t>
+            </a:r>
+            <a:r>
+              <a:rPr lang="zh-TW" altLang="en-US" sz="2800" dirty="0"/>
+              <a:t>，在 </a:t>
+            </a:r>
+            <a:r>
+              <a:rPr lang="en-US" altLang="zh-TW" sz="2800" dirty="0"/>
+              <a:t>2003 </a:t>
+            </a:r>
+            <a:r>
+              <a:rPr lang="zh-TW" altLang="en-US" sz="2800" dirty="0" smtClean="0"/>
+              <a:t>年</a:t>
+            </a:r>
+            <a:r>
+              <a:rPr lang="zh-TW" altLang="en-US" sz="2800" dirty="0"/>
+              <a:t>由 </a:t>
+            </a:r>
+            <a:r>
+              <a:rPr lang="en-US" altLang="zh-TW" sz="2800" dirty="0" smtClean="0"/>
+              <a:t>Dan </a:t>
+            </a:r>
+            <a:r>
+              <a:rPr lang="en-US" altLang="zh-TW" sz="2800" dirty="0"/>
+              <a:t>North </a:t>
+            </a:r>
+            <a:r>
+              <a:rPr lang="zh-TW" altLang="en-US" sz="2800" dirty="0"/>
+              <a:t>所命名，用來作為 </a:t>
+            </a:r>
+            <a:r>
+              <a:rPr lang="en-US" altLang="zh-TW" sz="2800" dirty="0"/>
+              <a:t>TDD </a:t>
+            </a:r>
+            <a:r>
+              <a:rPr lang="zh-TW" altLang="en-US" sz="2800" dirty="0"/>
+              <a:t>的輔助</a:t>
+            </a:r>
+            <a:r>
+              <a:rPr lang="zh-TW" altLang="en-US" sz="2800" dirty="0" smtClean="0"/>
+              <a:t>。</a:t>
+            </a:r>
+            <a:endParaRPr lang="en-US" altLang="zh-TW" sz="2800" dirty="0" smtClean="0"/>
+          </a:p>
+          <a:p>
+            <a:endParaRPr lang="en-US" altLang="zh-TW" sz="2800" dirty="0" smtClean="0"/>
+          </a:p>
+          <a:p>
+            <a:r>
+              <a:rPr lang="zh-TW" altLang="en-US" sz="2800" dirty="0"/>
+              <a:t>透過屬於該 </a:t>
+            </a:r>
+            <a:r>
+              <a:rPr lang="en-US" altLang="zh-TW" sz="2800" dirty="0"/>
+              <a:t>Domain </a:t>
+            </a:r>
+            <a:r>
+              <a:rPr lang="zh-TW" altLang="en-US" sz="2800" dirty="0"/>
+              <a:t>的表達方式，來描述系統的 </a:t>
+            </a:r>
+            <a:r>
+              <a:rPr lang="en-US" altLang="zh-TW" sz="2800" dirty="0"/>
+              <a:t>Feature </a:t>
+            </a:r>
+            <a:r>
+              <a:rPr lang="zh-TW" altLang="en-US" sz="2800" dirty="0"/>
+              <a:t>與使用者的 </a:t>
+            </a:r>
+            <a:r>
+              <a:rPr lang="en-US" altLang="zh-TW" sz="2800" dirty="0"/>
+              <a:t>Scenario </a:t>
+            </a:r>
+            <a:r>
+              <a:rPr lang="zh-TW" altLang="en-US" sz="2800" dirty="0"/>
+              <a:t>，並且依據這些 </a:t>
+            </a:r>
+            <a:r>
+              <a:rPr lang="en-US" altLang="zh-TW" sz="2800" dirty="0"/>
+              <a:t>Scenario </a:t>
+            </a:r>
+            <a:r>
+              <a:rPr lang="zh-TW" altLang="en-US" sz="2800" dirty="0"/>
+              <a:t>產生對應的 </a:t>
+            </a:r>
+            <a:r>
+              <a:rPr lang="en-US" altLang="zh-TW" sz="2800" dirty="0"/>
+              <a:t>code flow template </a:t>
+            </a:r>
+            <a:r>
+              <a:rPr lang="zh-TW" altLang="en-US" sz="2800" dirty="0"/>
+              <a:t>，接著可結合 </a:t>
+            </a:r>
+            <a:r>
+              <a:rPr lang="en-US" altLang="zh-TW" sz="2800" dirty="0"/>
+              <a:t>Unit Test </a:t>
+            </a:r>
+            <a:r>
+              <a:rPr lang="zh-TW" altLang="en-US" sz="2800" dirty="0"/>
+              <a:t>的 </a:t>
+            </a:r>
+            <a:r>
+              <a:rPr lang="en-US" altLang="zh-TW" sz="2800" dirty="0"/>
+              <a:t>3A </a:t>
+            </a:r>
+            <a:r>
+              <a:rPr lang="zh-TW" altLang="en-US" sz="2800" dirty="0"/>
+              <a:t>原則 </a:t>
+            </a:r>
+            <a:r>
+              <a:rPr lang="en-US" altLang="zh-TW" sz="2800" dirty="0"/>
+              <a:t>( Arrange, Act, Assert )</a:t>
+            </a:r>
+            <a:r>
+              <a:rPr lang="zh-TW" altLang="en-US" sz="2800" dirty="0"/>
+              <a:t>，來驗證系統功能是否有滿足這些 </a:t>
+            </a:r>
+            <a:r>
+              <a:rPr lang="en-US" altLang="zh-TW" sz="2800" dirty="0"/>
+              <a:t>Scenario </a:t>
+            </a:r>
+            <a:r>
+              <a:rPr lang="zh-TW" altLang="en-US" sz="2800" dirty="0" smtClean="0"/>
+              <a:t>。</a:t>
+            </a:r>
+            <a:endParaRPr lang="en-US" altLang="zh-TW" sz="2800" dirty="0" smtClean="0"/>
+          </a:p>
+          <a:p>
+            <a:endParaRPr lang="en-US" altLang="zh-TW" sz="2800" dirty="0"/>
+          </a:p>
+          <a:p>
+            <a:r>
+              <a:rPr lang="zh-TW" altLang="en-US" sz="2800" dirty="0" smtClean="0"/>
+              <a:t>在</a:t>
+            </a:r>
+            <a:r>
+              <a:rPr lang="en-US" altLang="zh-TW" sz="2800" dirty="0" smtClean="0"/>
+              <a:t>Visual</a:t>
+            </a:r>
+            <a:r>
+              <a:rPr lang="zh-TW" altLang="en-US" sz="2800" dirty="0" smtClean="0"/>
+              <a:t> </a:t>
+            </a:r>
+            <a:r>
+              <a:rPr lang="en-US" altLang="zh-TW" sz="2800" dirty="0" smtClean="0"/>
+              <a:t>Studio</a:t>
+            </a:r>
+            <a:r>
+              <a:rPr lang="zh-TW" altLang="en-US" sz="2800" dirty="0" smtClean="0"/>
+              <a:t>中可透過</a:t>
+            </a:r>
+            <a:r>
+              <a:rPr lang="en-US" altLang="zh-TW" sz="2800" dirty="0" err="1"/>
+              <a:t>NuGet</a:t>
+            </a:r>
+            <a:r>
+              <a:rPr lang="zh-TW" altLang="en-US" sz="2800" dirty="0"/>
+              <a:t>安裝</a:t>
+            </a:r>
+            <a:r>
+              <a:rPr lang="en-US" altLang="zh-TW" sz="2800" dirty="0" err="1" smtClean="0"/>
+              <a:t>Specflow</a:t>
+            </a:r>
+            <a:endParaRPr lang="en-US" altLang="zh-TW" sz="2800" dirty="0"/>
           </a:p>
         </p:txBody>
       </p:sp>
     </p:spTree>
     <p:extLst>
       <p:ext uri="{BB962C8B-B14F-4D97-AF65-F5344CB8AC3E}">
-        <p14:creationId xmlns:p14="http://schemas.microsoft.com/office/powerpoint/2010/main" val="2742406609"/>
+        <p14:creationId xmlns:p14="http://schemas.microsoft.com/office/powerpoint/2010/main" val="2805485381"/>
       </p:ext>
     </p:extLst>
   </p:cSld>
@@ -6100,6 +6564,171 @@
           <a:lstStyle/>
           <a:p>
             <a:r>
+              <a:rPr lang="en-US" altLang="zh-TW" b="0" dirty="0" smtClean="0"/>
+              <a:t>Behavior-driven development(BDD)</a:t>
+            </a:r>
+            <a:endParaRPr lang="zh-TW" altLang="en-US" dirty="0"/>
+          </a:p>
+        </p:txBody>
+      </p:sp>
+      <p:sp>
+        <p:nvSpPr>
+          <p:cNvPr id="3" name="內容版面配置區 2"/>
+          <p:cNvSpPr>
+            <a:spLocks noGrp="1"/>
+          </p:cNvSpPr>
+          <p:nvPr>
+            <p:ph idx="1"/>
+          </p:nvPr>
+        </p:nvSpPr>
+        <p:spPr/>
+        <p:txBody>
+          <a:bodyPr/>
+          <a:lstStyle/>
+          <a:p>
+            <a:r>
+              <a:rPr lang="en-US" altLang="zh-TW" dirty="0" smtClean="0"/>
+              <a:t>Why BDD?</a:t>
+            </a:r>
+          </a:p>
+          <a:p>
+            <a:pPr lvl="1"/>
+            <a:r>
+              <a:rPr lang="zh-TW" altLang="en-US" dirty="0"/>
+              <a:t>讓使用者、測試人員及開發人員可以用一樣的方式來描述與了解需求，並且降低將人話轉成程式碼的</a:t>
+            </a:r>
+            <a:r>
+              <a:rPr lang="zh-TW" altLang="en-US" dirty="0" smtClean="0"/>
+              <a:t>成本</a:t>
+            </a:r>
+            <a:endParaRPr lang="en-US" altLang="zh-TW" dirty="0" smtClean="0"/>
+          </a:p>
+          <a:p>
+            <a:pPr marL="457200" lvl="1" indent="0">
+              <a:buNone/>
+            </a:pPr>
+            <a:endParaRPr lang="en-US" altLang="zh-TW" dirty="0"/>
+          </a:p>
+          <a:p>
+            <a:r>
+              <a:rPr lang="en-US" altLang="zh-TW" dirty="0" smtClean="0"/>
+              <a:t>When BDD?</a:t>
+            </a:r>
+          </a:p>
+          <a:p>
+            <a:pPr lvl="1"/>
+            <a:r>
+              <a:rPr lang="zh-TW" altLang="en-US" dirty="0" smtClean="0"/>
+              <a:t>撰寫好驗收測試案例，建立好可行走的</a:t>
+            </a:r>
+            <a:r>
+              <a:rPr lang="en-US" altLang="zh-TW" dirty="0"/>
+              <a:t>[</a:t>
+            </a:r>
+            <a:r>
+              <a:rPr lang="zh-TW" altLang="en-US" dirty="0" smtClean="0"/>
+              <a:t>骨架</a:t>
+            </a:r>
+            <a:r>
+              <a:rPr lang="en-US" altLang="zh-TW" dirty="0"/>
+              <a:t>]</a:t>
+            </a:r>
+            <a:r>
+              <a:rPr lang="zh-TW" altLang="en-US" dirty="0" smtClean="0"/>
+              <a:t> ，開始準備著手開發實際的程式碼之前，使用</a:t>
+            </a:r>
+            <a:r>
+              <a:rPr lang="en-US" altLang="zh-TW" dirty="0" smtClean="0"/>
+              <a:t>BDD</a:t>
+            </a:r>
+            <a:r>
+              <a:rPr lang="zh-TW" altLang="en-US" dirty="0" smtClean="0"/>
+              <a:t>來描述</a:t>
+            </a:r>
+            <a:r>
+              <a:rPr lang="en-US" altLang="zh-TW" dirty="0"/>
+              <a:t>[</a:t>
+            </a:r>
+            <a:r>
+              <a:rPr lang="zh-TW" altLang="en-US" dirty="0" smtClean="0"/>
+              <a:t>驗收測試案例</a:t>
+            </a:r>
+            <a:r>
+              <a:rPr lang="en-US" altLang="zh-TW" dirty="0"/>
+              <a:t>]</a:t>
+            </a:r>
+            <a:r>
+              <a:rPr lang="zh-TW" altLang="en-US" dirty="0" smtClean="0"/>
+              <a:t>所對應的</a:t>
+            </a:r>
+            <a:r>
+              <a:rPr lang="en-US" altLang="zh-TW" dirty="0"/>
+              <a:t>[</a:t>
+            </a:r>
+            <a:r>
+              <a:rPr lang="zh-TW" altLang="en-US" dirty="0" smtClean="0"/>
+              <a:t>系統行為與腳本</a:t>
+            </a:r>
+            <a:r>
+              <a:rPr lang="en-US" altLang="zh-TW" dirty="0" smtClean="0"/>
+              <a:t>]</a:t>
+            </a:r>
+          </a:p>
+        </p:txBody>
+      </p:sp>
+    </p:spTree>
+    <p:extLst>
+      <p:ext uri="{BB962C8B-B14F-4D97-AF65-F5344CB8AC3E}">
+        <p14:creationId xmlns:p14="http://schemas.microsoft.com/office/powerpoint/2010/main" val="2742406609"/>
+      </p:ext>
+    </p:extLst>
+  </p:cSld>
+  <p:clrMapOvr>
+    <a:masterClrMapping/>
+  </p:clrMapOvr>
+  <p:timing>
+    <p:tnLst>
+      <p:par>
+        <p:cTn id="1" dur="indefinite" restart="never" nodeType="tmRoot"/>
+      </p:par>
+    </p:tnLst>
+  </p:timing>
+</p:sld>
+</file>
+
+<file path=ppt/slides/slide18.xml><?xml version="1.0" encoding="utf-8"?>
+<p:sld xmlns:a="http://schemas.openxmlformats.org/drawingml/2006/main" xmlns:r="http://schemas.openxmlformats.org/officeDocument/2006/relationships" xmlns:p="http://schemas.openxmlformats.org/presentationml/2006/main">
+  <p:cSld>
+    <p:spTree>
+      <p:nvGrpSpPr>
+        <p:cNvPr id="1" name=""/>
+        <p:cNvGrpSpPr/>
+        <p:nvPr/>
+      </p:nvGrpSpPr>
+      <p:grpSpPr>
+        <a:xfrm>
+          <a:off x="0" y="0"/>
+          <a:ext cx="0" cy="0"/>
+          <a:chOff x="0" y="0"/>
+          <a:chExt cx="0" cy="0"/>
+        </a:xfrm>
+      </p:grpSpPr>
+      <p:sp>
+        <p:nvSpPr>
+          <p:cNvPr id="2" name="標題 1"/>
+          <p:cNvSpPr>
+            <a:spLocks noGrp="1"/>
+          </p:cNvSpPr>
+          <p:nvPr>
+            <p:ph type="title"/>
+          </p:nvPr>
+        </p:nvSpPr>
+        <p:spPr/>
+        <p:txBody>
+          <a:bodyPr/>
+          <a:lstStyle/>
+          <a:p>
+            <a:r>
               <a:rPr lang="zh-TW" altLang="en-US" dirty="0"/>
               <a:t>重構</a:t>
             </a:r>
@@ -6316,7 +6945,7 @@
 </p:sld>
 </file>
 
-<file path=ppt/slides/slide18.xml><?xml version="1.0" encoding="utf-8"?>
+<file path=ppt/slides/slide19.xml><?xml version="1.0" encoding="utf-8"?>
 <p:sld xmlns:a="http://schemas.openxmlformats.org/drawingml/2006/main" xmlns:r="http://schemas.openxmlformats.org/officeDocument/2006/relationships" xmlns:p="http://schemas.openxmlformats.org/presentationml/2006/main">
   <p:cSld>
     <p:spTree>
@@ -6462,148 +7091,6 @@
 </p:sld>
 </file>
 
-<file path=ppt/slides/slide19.xml><?xml version="1.0" encoding="utf-8"?>
-<p:sld xmlns:a="http://schemas.openxmlformats.org/drawingml/2006/main" xmlns:r="http://schemas.openxmlformats.org/officeDocument/2006/relationships" xmlns:p="http://schemas.openxmlformats.org/presentationml/2006/main">
-  <p:cSld>
-    <p:spTree>
-      <p:nvGrpSpPr>
-        <p:cNvPr id="1" name=""/>
-        <p:cNvGrpSpPr/>
-        <p:nvPr/>
-      </p:nvGrpSpPr>
-      <p:grpSpPr>
-        <a:xfrm>
-          <a:off x="0" y="0"/>
-          <a:ext cx="0" cy="0"/>
-          <a:chOff x="0" y="0"/>
-          <a:chExt cx="0" cy="0"/>
-        </a:xfrm>
-      </p:grpSpPr>
-      <p:sp>
-        <p:nvSpPr>
-          <p:cNvPr id="2" name="標題 1"/>
-          <p:cNvSpPr>
-            <a:spLocks noGrp="1"/>
-          </p:cNvSpPr>
-          <p:nvPr>
-            <p:ph type="title"/>
-          </p:nvPr>
-        </p:nvSpPr>
-        <p:spPr/>
-        <p:txBody>
-          <a:bodyPr/>
-          <a:lstStyle/>
-          <a:p>
-            <a:r>
-              <a:rPr lang="zh-TW" altLang="en-US" dirty="0" smtClean="0"/>
-              <a:t>參考資料</a:t>
-            </a:r>
-            <a:endParaRPr lang="zh-TW" altLang="en-US" dirty="0"/>
-          </a:p>
-        </p:txBody>
-      </p:sp>
-      <p:sp>
-        <p:nvSpPr>
-          <p:cNvPr id="3" name="內容版面配置區 2"/>
-          <p:cNvSpPr>
-            <a:spLocks noGrp="1"/>
-          </p:cNvSpPr>
-          <p:nvPr>
-            <p:ph idx="1"/>
-          </p:nvPr>
-        </p:nvSpPr>
-        <p:spPr/>
-        <p:txBody>
-          <a:bodyPr/>
-          <a:lstStyle/>
-          <a:p>
-            <a:r>
-              <a:rPr lang="en-US" altLang="zh-TW" dirty="0"/>
-              <a:t>Website </a:t>
-            </a:r>
-            <a:r>
-              <a:rPr lang="en-US" altLang="zh-TW" dirty="0" smtClean="0"/>
-              <a:t>/</a:t>
-            </a:r>
-            <a:r>
-              <a:rPr lang="zh-TW" altLang="en-US" dirty="0" smtClean="0"/>
-              <a:t> </a:t>
-            </a:r>
-            <a:r>
-              <a:rPr lang="en-US" altLang="zh-TW" dirty="0" smtClean="0"/>
-              <a:t>In91</a:t>
-            </a:r>
-            <a:r>
-              <a:rPr lang="zh-TW" altLang="en-US" dirty="0" smtClean="0"/>
-              <a:t> </a:t>
-            </a:r>
-            <a:r>
-              <a:rPr lang="en-US" altLang="zh-TW" dirty="0" smtClean="0">
-                <a:hlinkClick r:id="rId2"/>
-              </a:rPr>
-              <a:t>http</a:t>
-            </a:r>
-            <a:r>
-              <a:rPr lang="en-US" altLang="zh-TW" dirty="0">
-                <a:hlinkClick r:id="rId2"/>
-              </a:rPr>
-              <a:t>://www.dotblogs.com.tw/hatelove</a:t>
-            </a:r>
-            <a:r>
-              <a:rPr lang="en-US" altLang="zh-TW" dirty="0" smtClean="0">
-                <a:hlinkClick r:id="rId2"/>
-              </a:rPr>
-              <a:t>/</a:t>
-            </a:r>
-            <a:endParaRPr lang="en-US" altLang="zh-TW" dirty="0" smtClean="0"/>
-          </a:p>
-          <a:p>
-            <a:r>
-              <a:rPr lang="en-US" altLang="zh-TW" dirty="0" smtClean="0"/>
-              <a:t>Book / </a:t>
-            </a:r>
-            <a:r>
-              <a:rPr lang="en-US" altLang="zh-TW" dirty="0" err="1" smtClean="0"/>
-              <a:t>ASP.Net</a:t>
-            </a:r>
-            <a:r>
-              <a:rPr lang="en-US" altLang="zh-TW" dirty="0" smtClean="0"/>
-              <a:t> MVC5 </a:t>
-            </a:r>
-            <a:r>
-              <a:rPr lang="zh-TW" altLang="en-US" dirty="0" smtClean="0"/>
-              <a:t>網站開發美學</a:t>
-            </a:r>
-            <a:endParaRPr lang="en-US" altLang="zh-TW" dirty="0" smtClean="0"/>
-          </a:p>
-          <a:p>
-            <a:pPr marL="0" indent="0">
-              <a:buNone/>
-            </a:pPr>
-            <a:endParaRPr lang="en-US" altLang="zh-TW" dirty="0" smtClean="0"/>
-          </a:p>
-        </p:txBody>
-      </p:sp>
-    </p:spTree>
-    <p:extLst>
-      <p:ext uri="{BB962C8B-B14F-4D97-AF65-F5344CB8AC3E}">
-        <p14:creationId xmlns:p14="http://schemas.microsoft.com/office/powerpoint/2010/main" val="2106364951"/>
-      </p:ext>
-    </p:extLst>
-  </p:cSld>
-  <p:clrMapOvr>
-    <a:masterClrMapping/>
-  </p:clrMapOvr>
-  <p:timing>
-    <p:tnLst>
-      <p:par>
-        <p:cTn id="1" dur="indefinite" restart="never" nodeType="tmRoot"/>
-      </p:par>
-    </p:tnLst>
-  </p:timing>
-</p:sld>
-</file>
-
 <file path=ppt/slides/slide2.xml><?xml version="1.0" encoding="utf-8"?>
 <p:sld xmlns:a="http://schemas.openxmlformats.org/drawingml/2006/main" xmlns:r="http://schemas.openxmlformats.org/officeDocument/2006/relationships" xmlns:p="http://schemas.openxmlformats.org/presentationml/2006/main">
   <p:cSld>
@@ -6773,6 +7260,206 @@
     <p:extLst>
       <p:ext uri="{BB962C8B-B14F-4D97-AF65-F5344CB8AC3E}">
         <p14:creationId xmlns:p14="http://schemas.microsoft.com/office/powerpoint/2010/main" val="1828420298"/>
+      </p:ext>
+    </p:extLst>
+  </p:cSld>
+  <p:clrMapOvr>
+    <a:masterClrMapping/>
+  </p:clrMapOvr>
+  <p:timing>
+    <p:tnLst>
+      <p:par>
+        <p:cTn id="1" dur="indefinite" restart="never" nodeType="tmRoot"/>
+      </p:par>
+    </p:tnLst>
+  </p:timing>
+</p:sld>
+</file>
+
+<file path=ppt/slides/slide20.xml><?xml version="1.0" encoding="utf-8"?>
+<p:sld xmlns:a="http://schemas.openxmlformats.org/drawingml/2006/main" xmlns:r="http://schemas.openxmlformats.org/officeDocument/2006/relationships" xmlns:p="http://schemas.openxmlformats.org/presentationml/2006/main">
+  <p:cSld>
+    <p:spTree>
+      <p:nvGrpSpPr>
+        <p:cNvPr id="1" name=""/>
+        <p:cNvGrpSpPr/>
+        <p:nvPr/>
+      </p:nvGrpSpPr>
+      <p:grpSpPr>
+        <a:xfrm>
+          <a:off x="0" y="0"/>
+          <a:ext cx="0" cy="0"/>
+          <a:chOff x="0" y="0"/>
+          <a:chExt cx="0" cy="0"/>
+        </a:xfrm>
+      </p:grpSpPr>
+      <p:sp>
+        <p:nvSpPr>
+          <p:cNvPr id="2" name="標題 1"/>
+          <p:cNvSpPr>
+            <a:spLocks noGrp="1"/>
+          </p:cNvSpPr>
+          <p:nvPr>
+            <p:ph type="title"/>
+          </p:nvPr>
+        </p:nvSpPr>
+        <p:spPr/>
+        <p:txBody>
+          <a:bodyPr/>
+          <a:lstStyle/>
+          <a:p>
+            <a:r>
+              <a:rPr lang="zh-TW" altLang="en-US" dirty="0" smtClean="0"/>
+              <a:t>參考資料</a:t>
+            </a:r>
+            <a:endParaRPr lang="zh-TW" altLang="en-US" dirty="0"/>
+          </a:p>
+        </p:txBody>
+      </p:sp>
+      <p:sp>
+        <p:nvSpPr>
+          <p:cNvPr id="3" name="內容版面配置區 2"/>
+          <p:cNvSpPr>
+            <a:spLocks noGrp="1"/>
+          </p:cNvSpPr>
+          <p:nvPr>
+            <p:ph idx="1"/>
+          </p:nvPr>
+        </p:nvSpPr>
+        <p:spPr/>
+        <p:txBody>
+          <a:bodyPr/>
+          <a:lstStyle/>
+          <a:p>
+            <a:r>
+              <a:rPr lang="en-US" altLang="zh-TW" dirty="0"/>
+              <a:t>Website </a:t>
+            </a:r>
+            <a:r>
+              <a:rPr lang="en-US" altLang="zh-TW" dirty="0" smtClean="0"/>
+              <a:t>/</a:t>
+            </a:r>
+            <a:r>
+              <a:rPr lang="zh-TW" altLang="en-US" dirty="0" smtClean="0"/>
+              <a:t> </a:t>
+            </a:r>
+            <a:r>
+              <a:rPr lang="en-US" altLang="zh-TW" dirty="0" smtClean="0"/>
+              <a:t>In91</a:t>
+            </a:r>
+            <a:r>
+              <a:rPr lang="zh-TW" altLang="en-US" dirty="0" smtClean="0"/>
+              <a:t> </a:t>
+            </a:r>
+            <a:r>
+              <a:rPr lang="en-US" altLang="zh-TW" dirty="0" smtClean="0">
+                <a:hlinkClick r:id="rId2"/>
+              </a:rPr>
+              <a:t>http</a:t>
+            </a:r>
+            <a:r>
+              <a:rPr lang="en-US" altLang="zh-TW" dirty="0">
+                <a:hlinkClick r:id="rId2"/>
+              </a:rPr>
+              <a:t>://www.dotblogs.com.tw/hatelove</a:t>
+            </a:r>
+            <a:r>
+              <a:rPr lang="en-US" altLang="zh-TW" dirty="0" smtClean="0">
+                <a:hlinkClick r:id="rId2"/>
+              </a:rPr>
+              <a:t>/</a:t>
+            </a:r>
+            <a:endParaRPr lang="en-US" altLang="zh-TW" dirty="0" smtClean="0"/>
+          </a:p>
+          <a:p>
+            <a:r>
+              <a:rPr lang="en-US" altLang="zh-TW" dirty="0" smtClean="0"/>
+              <a:t>Website </a:t>
+            </a:r>
+            <a:r>
+              <a:rPr lang="en-US" altLang="zh-TW" dirty="0"/>
+              <a:t>/ Selenium </a:t>
+            </a:r>
+            <a:r>
+              <a:rPr lang="en-US" altLang="zh-TW" dirty="0">
+                <a:hlinkClick r:id="rId3"/>
+              </a:rPr>
+              <a:t>http://www.seleniumhq.org</a:t>
+            </a:r>
+            <a:r>
+              <a:rPr lang="en-US" altLang="zh-TW" dirty="0" smtClean="0">
+                <a:hlinkClick r:id="rId3"/>
+              </a:rPr>
+              <a:t>/</a:t>
+            </a:r>
+            <a:endParaRPr lang="en-US" altLang="zh-TW" dirty="0" smtClean="0"/>
+          </a:p>
+          <a:p>
+            <a:r>
+              <a:rPr lang="en-US" altLang="zh-TW" dirty="0" smtClean="0"/>
+              <a:t>Blog / </a:t>
+            </a:r>
+            <a:r>
+              <a:rPr lang="en-US" altLang="zh-TW" dirty="0">
+                <a:hlinkClick r:id="rId4"/>
+              </a:rPr>
+              <a:t>Introduction to </a:t>
+            </a:r>
+            <a:r>
+              <a:rPr lang="en-US" altLang="zh-TW" dirty="0" err="1">
+                <a:hlinkClick r:id="rId4"/>
+              </a:rPr>
+              <a:t>WebDriver</a:t>
+            </a:r>
+            <a:r>
+              <a:rPr lang="en-US" altLang="zh-TW" dirty="0">
+                <a:hlinkClick r:id="rId4"/>
+              </a:rPr>
+              <a:t> &amp; Comparison with Selenium </a:t>
+            </a:r>
+            <a:r>
+              <a:rPr lang="en-US" altLang="zh-TW" dirty="0" smtClean="0">
+                <a:hlinkClick r:id="rId4"/>
+              </a:rPr>
+              <a:t>RC</a:t>
+            </a:r>
+            <a:endParaRPr lang="en-US" altLang="zh-TW" dirty="0"/>
+          </a:p>
+          <a:p>
+            <a:r>
+              <a:rPr lang="en-US" altLang="zh-TW" dirty="0" smtClean="0"/>
+              <a:t>Book </a:t>
+            </a:r>
+            <a:r>
+              <a:rPr lang="en-US" altLang="zh-TW" dirty="0" smtClean="0"/>
+              <a:t>/ </a:t>
+            </a:r>
+            <a:r>
+              <a:rPr lang="en-US" altLang="zh-TW" dirty="0" err="1" smtClean="0"/>
+              <a:t>ASP.Net</a:t>
+            </a:r>
+            <a:r>
+              <a:rPr lang="en-US" altLang="zh-TW" dirty="0" smtClean="0"/>
+              <a:t> MVC5 </a:t>
+            </a:r>
+            <a:r>
+              <a:rPr lang="zh-TW" altLang="en-US" dirty="0" smtClean="0"/>
+              <a:t>網站開發美學</a:t>
+            </a:r>
+            <a:endParaRPr lang="en-US" altLang="zh-TW" dirty="0" smtClean="0"/>
+          </a:p>
+          <a:p>
+            <a:pPr marL="0" indent="0">
+              <a:buNone/>
+            </a:pPr>
+            <a:endParaRPr lang="en-US" altLang="zh-TW" dirty="0" smtClean="0"/>
+          </a:p>
+        </p:txBody>
+      </p:sp>
+    </p:spTree>
+    <p:extLst>
+      <p:ext uri="{BB962C8B-B14F-4D97-AF65-F5344CB8AC3E}">
+        <p14:creationId xmlns:p14="http://schemas.microsoft.com/office/powerpoint/2010/main" val="2106364951"/>
       </p:ext>
     </p:extLst>
   </p:cSld>
